--- a/EDA LENDING CLUB.pptx
+++ b/EDA LENDING CLUB.pptx
@@ -23,8 +23,13 @@
     <p:sldId id="267" r:id="rId17"/>
     <p:sldId id="268" r:id="rId18"/>
     <p:sldId id="272" r:id="rId19"/>
-    <p:sldId id="269" r:id="rId20"/>
-    <p:sldId id="270" r:id="rId21"/>
+    <p:sldId id="276" r:id="rId20"/>
+    <p:sldId id="277" r:id="rId21"/>
+    <p:sldId id="278" r:id="rId22"/>
+    <p:sldId id="279" r:id="rId23"/>
+    <p:sldId id="280" r:id="rId24"/>
+    <p:sldId id="269" r:id="rId25"/>
+    <p:sldId id="270" r:id="rId26"/>
   </p:sldIdLst>
   <p:sldSz cx="12192000" cy="6858000"/>
   <p:notesSz cx="6858000" cy="9144000"/>
@@ -157,6 +162,11 @@
             <p14:sldId id="267"/>
             <p14:sldId id="268"/>
             <p14:sldId id="272"/>
+            <p14:sldId id="276"/>
+            <p14:sldId id="277"/>
+            <p14:sldId id="278"/>
+            <p14:sldId id="279"/>
+            <p14:sldId id="280"/>
             <p14:sldId id="269"/>
             <p14:sldId id="270"/>
           </p14:sldIdLst>
@@ -6248,49 +6258,7 @@
             </a:pPr>
             <a:r>
               <a:rPr lang="en-US" dirty="0"/>
-              <a:t>State such as </a:t>
-            </a:r>
-            <a:r>
-              <a:rPr lang="en-US" dirty="0" err="1"/>
-              <a:t>california,newyork</a:t>
-            </a:r>
-            <a:r>
-              <a:rPr lang="en-US" dirty="0"/>
-              <a:t> ,</a:t>
-            </a:r>
-            <a:r>
-              <a:rPr lang="en-US" dirty="0" err="1"/>
-              <a:t>texas</a:t>
-            </a:r>
-            <a:r>
-              <a:rPr lang="en-US" dirty="0"/>
-              <a:t> and </a:t>
-            </a:r>
-            <a:r>
-              <a:rPr lang="en-US" dirty="0" err="1"/>
-              <a:t>florida</a:t>
-            </a:r>
-            <a:r>
-              <a:rPr lang="en-US" dirty="0"/>
-              <a:t> have state where company are experiencing</a:t>
-            </a:r>
-          </a:p>
-          <a:p>
-            <a:pPr marL="285750" indent="-285750">
-              <a:buFont typeface="Arial" panose="020B0604020202020204" pitchFamily="34" charset="0"/>
-              <a:buChar char="•"/>
-            </a:pPr>
-            <a:r>
-              <a:rPr lang="en-US" dirty="0"/>
-              <a:t>high number of </a:t>
-            </a:r>
-            <a:r>
-              <a:rPr lang="en-US" dirty="0" err="1"/>
-              <a:t>fullypaid</a:t>
-            </a:r>
-            <a:r>
-              <a:rPr lang="en-US" dirty="0"/>
-              <a:t> as well defaulters.</a:t>
+              <a:t>State such as California, new York , Texas and Florida have state where company are experiencing high number of fully paid as well as defaulters.</a:t>
             </a:r>
             <a:endParaRPr lang="en-GB" dirty="0"/>
           </a:p>
@@ -12015,15 +11983,7 @@
             </a:pPr>
             <a:r>
               <a:rPr lang="en-US" dirty="0"/>
-              <a:t>Interest rate have stayed almost constant for </a:t>
-            </a:r>
-            <a:r>
-              <a:rPr lang="en-US" dirty="0" err="1"/>
-              <a:t>differnt</a:t>
-            </a:r>
-            <a:r>
-              <a:rPr lang="en-US" dirty="0"/>
-              <a:t> level of work experience.</a:t>
+              <a:t>There is not much difference in interest rate among  different level of work experience.</a:t>
             </a:r>
           </a:p>
           <a:p>
@@ -12033,15 +11993,7 @@
             </a:pPr>
             <a:r>
               <a:rPr lang="en-US" dirty="0"/>
-              <a:t>loan amount has been higher for employment </a:t>
-            </a:r>
-            <a:r>
-              <a:rPr lang="en-US" dirty="0" err="1"/>
-              <a:t>lenght</a:t>
-            </a:r>
-            <a:r>
-              <a:rPr lang="en-US" dirty="0"/>
-              <a:t> of 10 years.</a:t>
+              <a:t>loan amount has been higher for employment length of 10 years.</a:t>
             </a:r>
             <a:endParaRPr lang="en-GB" dirty="0"/>
           </a:p>
@@ -12211,7 +12163,7 @@
             </a:pPr>
             <a:r>
               <a:rPr lang="en-US" dirty="0"/>
-              <a:t> higher outliers in Annual income and loan amount.</a:t>
+              <a:t> High outliers in Annual income and loan amount.</a:t>
             </a:r>
             <a:endParaRPr lang="en-GB" dirty="0"/>
           </a:p>
@@ -12860,10 +12812,10 @@
       </p:sp>
       <p:sp>
         <p:nvSpPr>
-          <p:cNvPr id="5" name="Picture Placeholder 4">
+          <p:cNvPr id="7" name="Content Placeholder 6">
             <a:extLst>
               <a:ext uri="{FF2B5EF4-FFF2-40B4-BE49-F238E27FC236}">
-                <a16:creationId xmlns:a16="http://schemas.microsoft.com/office/drawing/2014/main" id="{310993D6-1523-4FD3-BD6A-50604C7B77AB}"/>
+                <a16:creationId xmlns:a16="http://schemas.microsoft.com/office/drawing/2014/main" id="{3583F452-CBF2-439C-AD7A-EFEE06BF18A3}"/>
               </a:ext>
             </a:extLst>
           </p:cNvPr>
@@ -12871,31 +12823,79 @@
             <a:spLocks noGrp="1"/>
           </p:cNvSpPr>
           <p:nvPr>
-            <p:ph type="pic" idx="1"/>
-          </p:nvPr>
-        </p:nvSpPr>
-        <p:spPr/>
-      </p:sp>
-      <p:sp>
-        <p:nvSpPr>
-          <p:cNvPr id="6" name="Text Placeholder 5">
-            <a:extLst>
-              <a:ext uri="{FF2B5EF4-FFF2-40B4-BE49-F238E27FC236}">
-                <a16:creationId xmlns:a16="http://schemas.microsoft.com/office/drawing/2014/main" id="{3C141720-DCF0-480C-BE3E-50A53E61DE02}"/>
-              </a:ext>
-            </a:extLst>
-          </p:cNvPr>
-          <p:cNvSpPr>
-            <a:spLocks noGrp="1"/>
-          </p:cNvSpPr>
-          <p:nvPr>
-            <p:ph type="body" sz="half" idx="2"/>
+            <p:ph idx="1"/>
           </p:nvPr>
         </p:nvSpPr>
         <p:spPr/>
         <p:txBody>
-          <a:bodyPr/>
+          <a:bodyPr>
+            <a:normAutofit fontScale="77500" lnSpcReduction="20000"/>
+          </a:bodyPr>
           <a:lstStyle/>
+          <a:p>
+            <a:r>
+              <a:rPr lang="en-US" dirty="0"/>
+              <a:t>Loan status plot clearly highlights 6.5 to 1  of Fully paid to defaulters' ratio.</a:t>
+            </a:r>
+          </a:p>
+          <a:p>
+            <a:r>
+              <a:rPr lang="en-US" dirty="0"/>
+              <a:t>Company has been making one loss to every 6.5 non defaulting account</a:t>
+            </a:r>
+          </a:p>
+          <a:p>
+            <a:r>
+              <a:rPr lang="en-US" dirty="0"/>
+              <a:t>home ownership plot shows that majority of the borrowers are Rented/mortgage</a:t>
+            </a:r>
+          </a:p>
+          <a:p>
+            <a:r>
+              <a:rPr lang="en-US" dirty="0"/>
+              <a:t>Verification status plot shows that company has been accepting non verified </a:t>
+            </a:r>
+          </a:p>
+          <a:p>
+            <a:pPr marL="0" indent="0">
+              <a:buNone/>
+            </a:pPr>
+            <a:r>
+              <a:rPr lang="en-US" dirty="0"/>
+              <a:t>    customers compared to verified and source verified.</a:t>
+            </a:r>
+          </a:p>
+          <a:p>
+            <a:r>
+              <a:rPr lang="en-US" dirty="0"/>
+              <a:t>Purpose plot shows that majority of the loans are borrowed for debt consolidation.</a:t>
+            </a:r>
+          </a:p>
+          <a:p>
+            <a:r>
+              <a:rPr lang="en-US" dirty="0"/>
+              <a:t>Grade A and B loan are distributed  proportionately more than other grades.</a:t>
+            </a:r>
+          </a:p>
+          <a:p>
+            <a:r>
+              <a:rPr lang="en-US" dirty="0"/>
+              <a:t>Sub grades' A4, A5,B3,B5,C2 are distributed proportionately higher than other sub grades.</a:t>
+            </a:r>
+          </a:p>
+          <a:p>
+            <a:r>
+              <a:rPr lang="en-US" dirty="0"/>
+              <a:t>Demand of 36 months loan has been almost 3 times the demand of 60 months loan.</a:t>
+            </a:r>
+          </a:p>
+          <a:p>
+            <a:r>
+              <a:rPr lang="en-US" dirty="0"/>
+              <a:t>Company has been funding more loan to 10+ years of employment length than other years. Company has relatively lesser customer with employment length of 8 </a:t>
+            </a:r>
+            <a:endParaRPr lang="en-GB" dirty="0"/>
+          </a:p>
           <a:p>
             <a:endParaRPr lang="en-GB" dirty="0"/>
           </a:p>
@@ -12936,7 +12936,7 @@
           <p:cNvPr id="2" name="Title 1">
             <a:extLst>
               <a:ext uri="{FF2B5EF4-FFF2-40B4-BE49-F238E27FC236}">
-                <a16:creationId xmlns:a16="http://schemas.microsoft.com/office/drawing/2014/main" id="{5CF48069-4373-49E0-BF51-1B5D63A08B3F}"/>
+                <a16:creationId xmlns:a16="http://schemas.microsoft.com/office/drawing/2014/main" id="{EA57DBA3-4D91-4549-865D-E7AC4063C721}"/>
               </a:ext>
             </a:extLst>
           </p:cNvPr>
@@ -12953,9 +12953,64 @@
           <a:lstStyle/>
           <a:p>
             <a:r>
-              <a:rPr lang="en-GB" dirty="0" err="1"/>
-              <a:t>Recommnedation</a:t>
-            </a:r>
+              <a:rPr lang="en-GB" dirty="0"/>
+              <a:t>Findings</a:t>
+            </a:r>
+          </a:p>
+        </p:txBody>
+      </p:sp>
+      <p:sp>
+        <p:nvSpPr>
+          <p:cNvPr id="3" name="Content Placeholder 2">
+            <a:extLst>
+              <a:ext uri="{FF2B5EF4-FFF2-40B4-BE49-F238E27FC236}">
+                <a16:creationId xmlns:a16="http://schemas.microsoft.com/office/drawing/2014/main" id="{8416B413-97B7-4A7E-ABF5-F9C31257A8B2}"/>
+              </a:ext>
+            </a:extLst>
+          </p:cNvPr>
+          <p:cNvSpPr>
+            <a:spLocks noGrp="1"/>
+          </p:cNvSpPr>
+          <p:nvPr>
+            <p:ph idx="1"/>
+          </p:nvPr>
+        </p:nvSpPr>
+        <p:spPr/>
+        <p:txBody>
+          <a:bodyPr/>
+          <a:lstStyle/>
+          <a:p>
+            <a:r>
+              <a:rPr lang="en-US" dirty="0"/>
+              <a:t>Proportion of fully paid to defaulters are much better in 36 months term than 60 months.</a:t>
+            </a:r>
+          </a:p>
+          <a:p>
+            <a:r>
+              <a:rPr lang="en-US" dirty="0"/>
+              <a:t>Proportion of fully paid to defaulters are much better in grade A,B and C than grade E,F,G.</a:t>
+            </a:r>
+          </a:p>
+          <a:p>
+            <a:r>
+              <a:rPr lang="en-US" dirty="0"/>
+              <a:t>Grade G is the worst performer.</a:t>
+            </a:r>
+          </a:p>
+          <a:p>
+            <a:r>
+              <a:rPr lang="en-US" dirty="0"/>
+              <a:t>Subgrades’ A4,A5,b3,B4,B5 are best performers whereas G5,G3,F5 are worst performers.</a:t>
+            </a:r>
+          </a:p>
+          <a:p>
+            <a:r>
+              <a:rPr lang="en-US" dirty="0"/>
+              <a:t>Default risk across the home ownership level is low.</a:t>
+            </a:r>
+            <a:endParaRPr lang="en-GB" dirty="0"/>
+          </a:p>
+          <a:p>
             <a:endParaRPr lang="en-GB" dirty="0"/>
           </a:p>
         </p:txBody>
@@ -12963,7 +13018,7 @@
     </p:spTree>
     <p:extLst>
       <p:ext uri="{BB962C8B-B14F-4D97-AF65-F5344CB8AC3E}">
-        <p14:creationId xmlns:p14="http://schemas.microsoft.com/office/powerpoint/2010/main" val="265734292"/>
+        <p14:creationId xmlns:p14="http://schemas.microsoft.com/office/powerpoint/2010/main" val="431050587"/>
       </p:ext>
     </p:extLst>
   </p:cSld>
@@ -13061,6 +13116,582 @@
 </file>
 
 <file path=ppt/slides/slide20.xml><?xml version="1.0" encoding="utf-8"?>
+<p:sld xmlns:a="http://schemas.openxmlformats.org/drawingml/2006/main" xmlns:r="http://schemas.openxmlformats.org/officeDocument/2006/relationships" xmlns:p="http://schemas.openxmlformats.org/presentationml/2006/main">
+  <p:cSld>
+    <p:spTree>
+      <p:nvGrpSpPr>
+        <p:cNvPr id="1" name=""/>
+        <p:cNvGrpSpPr/>
+        <p:nvPr/>
+      </p:nvGrpSpPr>
+      <p:grpSpPr>
+        <a:xfrm>
+          <a:off x="0" y="0"/>
+          <a:ext cx="0" cy="0"/>
+          <a:chOff x="0" y="0"/>
+          <a:chExt cx="0" cy="0"/>
+        </a:xfrm>
+      </p:grpSpPr>
+      <p:sp>
+        <p:nvSpPr>
+          <p:cNvPr id="2" name="Title 1">
+            <a:extLst>
+              <a:ext uri="{FF2B5EF4-FFF2-40B4-BE49-F238E27FC236}">
+                <a16:creationId xmlns:a16="http://schemas.microsoft.com/office/drawing/2014/main" id="{D8B7ACB8-82D6-4158-85EC-6D381CF8DFDC}"/>
+              </a:ext>
+            </a:extLst>
+          </p:cNvPr>
+          <p:cNvSpPr>
+            <a:spLocks noGrp="1"/>
+          </p:cNvSpPr>
+          <p:nvPr>
+            <p:ph type="title"/>
+          </p:nvPr>
+        </p:nvSpPr>
+        <p:spPr/>
+        <p:txBody>
+          <a:bodyPr/>
+          <a:lstStyle/>
+          <a:p>
+            <a:r>
+              <a:rPr lang="en-GB" dirty="0"/>
+              <a:t>Findings</a:t>
+            </a:r>
+          </a:p>
+        </p:txBody>
+      </p:sp>
+      <p:sp>
+        <p:nvSpPr>
+          <p:cNvPr id="3" name="Content Placeholder 2">
+            <a:extLst>
+              <a:ext uri="{FF2B5EF4-FFF2-40B4-BE49-F238E27FC236}">
+                <a16:creationId xmlns:a16="http://schemas.microsoft.com/office/drawing/2014/main" id="{957E84EC-5F12-4FC7-AE56-C89F2FB887E1}"/>
+              </a:ext>
+            </a:extLst>
+          </p:cNvPr>
+          <p:cNvSpPr>
+            <a:spLocks noGrp="1"/>
+          </p:cNvSpPr>
+          <p:nvPr>
+            <p:ph idx="1"/>
+          </p:nvPr>
+        </p:nvSpPr>
+        <p:spPr/>
+        <p:txBody>
+          <a:bodyPr/>
+          <a:lstStyle/>
+          <a:p>
+            <a:r>
+              <a:rPr lang="en-US" dirty="0"/>
+              <a:t>Proportion of fully paid to defaulters are considerably similar at all level of employment length.</a:t>
+            </a:r>
+          </a:p>
+          <a:p>
+            <a:r>
+              <a:rPr lang="en-US" dirty="0"/>
+              <a:t>Proportion of fully paid to defaulters are much better in verification status of non verified better than verified and source verified.</a:t>
+            </a:r>
+          </a:p>
+          <a:p>
+            <a:r>
+              <a:rPr lang="en-US" dirty="0"/>
+              <a:t>Default risk is considerably negligible where the purpose have been Moving, Vacation, and educational.</a:t>
+            </a:r>
+            <a:endParaRPr lang="en-GB" dirty="0"/>
+          </a:p>
+          <a:p>
+            <a:pPr marL="285750" indent="-285750">
+              <a:buFont typeface="Arial" panose="020B0604020202020204" pitchFamily="34" charset="0"/>
+              <a:buChar char="•"/>
+            </a:pPr>
+            <a:r>
+              <a:rPr lang="en-US" dirty="0"/>
+              <a:t>defaulter and fully paid customers have grown from 2007 to 2011.</a:t>
+            </a:r>
+          </a:p>
+          <a:p>
+            <a:pPr marL="285750" indent="-285750">
+              <a:buFont typeface="Arial" panose="020B0604020202020204" pitchFamily="34" charset="0"/>
+              <a:buChar char="•"/>
+            </a:pPr>
+            <a:r>
+              <a:rPr lang="en-US" dirty="0"/>
+              <a:t>defaulter and fully paid customers have grown from </a:t>
+            </a:r>
+            <a:r>
+              <a:rPr lang="en-US" dirty="0" err="1"/>
+              <a:t>january</a:t>
+            </a:r>
+            <a:r>
+              <a:rPr lang="en-US" dirty="0"/>
+              <a:t> to </a:t>
+            </a:r>
+            <a:r>
+              <a:rPr lang="en-US" dirty="0" err="1"/>
+              <a:t>december</a:t>
+            </a:r>
+            <a:r>
+              <a:rPr lang="en-US" dirty="0"/>
+              <a:t>.</a:t>
+            </a:r>
+            <a:endParaRPr lang="en-GB" dirty="0"/>
+          </a:p>
+          <a:p>
+            <a:endParaRPr lang="en-GB" dirty="0"/>
+          </a:p>
+        </p:txBody>
+      </p:sp>
+    </p:spTree>
+    <p:extLst>
+      <p:ext uri="{BB962C8B-B14F-4D97-AF65-F5344CB8AC3E}">
+        <p14:creationId xmlns:p14="http://schemas.microsoft.com/office/powerpoint/2010/main" val="381469200"/>
+      </p:ext>
+    </p:extLst>
+  </p:cSld>
+  <p:clrMapOvr>
+    <a:masterClrMapping/>
+  </p:clrMapOvr>
+</p:sld>
+</file>
+
+<file path=ppt/slides/slide21.xml><?xml version="1.0" encoding="utf-8"?>
+<p:sld xmlns:a="http://schemas.openxmlformats.org/drawingml/2006/main" xmlns:r="http://schemas.openxmlformats.org/officeDocument/2006/relationships" xmlns:p="http://schemas.openxmlformats.org/presentationml/2006/main">
+  <p:cSld>
+    <p:spTree>
+      <p:nvGrpSpPr>
+        <p:cNvPr id="1" name=""/>
+        <p:cNvGrpSpPr/>
+        <p:nvPr/>
+      </p:nvGrpSpPr>
+      <p:grpSpPr>
+        <a:xfrm>
+          <a:off x="0" y="0"/>
+          <a:ext cx="0" cy="0"/>
+          <a:chOff x="0" y="0"/>
+          <a:chExt cx="0" cy="0"/>
+        </a:xfrm>
+      </p:grpSpPr>
+      <p:sp>
+        <p:nvSpPr>
+          <p:cNvPr id="2" name="Title 1">
+            <a:extLst>
+              <a:ext uri="{FF2B5EF4-FFF2-40B4-BE49-F238E27FC236}">
+                <a16:creationId xmlns:a16="http://schemas.microsoft.com/office/drawing/2014/main" id="{434116D8-87FD-42B0-8944-BF48E41E824D}"/>
+              </a:ext>
+            </a:extLst>
+          </p:cNvPr>
+          <p:cNvSpPr>
+            <a:spLocks noGrp="1"/>
+          </p:cNvSpPr>
+          <p:nvPr>
+            <p:ph type="title"/>
+          </p:nvPr>
+        </p:nvSpPr>
+        <p:spPr/>
+        <p:txBody>
+          <a:bodyPr/>
+          <a:lstStyle/>
+          <a:p>
+            <a:r>
+              <a:rPr lang="en-GB" dirty="0"/>
+              <a:t>Findings</a:t>
+            </a:r>
+          </a:p>
+        </p:txBody>
+      </p:sp>
+      <p:sp>
+        <p:nvSpPr>
+          <p:cNvPr id="3" name="Content Placeholder 2">
+            <a:extLst>
+              <a:ext uri="{FF2B5EF4-FFF2-40B4-BE49-F238E27FC236}">
+                <a16:creationId xmlns:a16="http://schemas.microsoft.com/office/drawing/2014/main" id="{A467F914-8E94-4E83-A01D-5A825F07728D}"/>
+              </a:ext>
+            </a:extLst>
+          </p:cNvPr>
+          <p:cNvSpPr>
+            <a:spLocks noGrp="1"/>
+          </p:cNvSpPr>
+          <p:nvPr>
+            <p:ph idx="1"/>
+          </p:nvPr>
+        </p:nvSpPr>
+        <p:spPr/>
+        <p:txBody>
+          <a:bodyPr/>
+          <a:lstStyle/>
+          <a:p>
+            <a:pPr marL="285750" indent="-285750">
+              <a:buFont typeface="Arial" panose="020B0604020202020204" pitchFamily="34" charset="0"/>
+              <a:buChar char="•"/>
+            </a:pPr>
+            <a:r>
+              <a:rPr lang="en-US" dirty="0"/>
+              <a:t>defaulter and fully paid customers have grown from 2007 to 2011.</a:t>
+            </a:r>
+          </a:p>
+          <a:p>
+            <a:pPr marL="285750" indent="-285750">
+              <a:buFont typeface="Arial" panose="020B0604020202020204" pitchFamily="34" charset="0"/>
+              <a:buChar char="•"/>
+            </a:pPr>
+            <a:r>
+              <a:rPr lang="en-US" dirty="0"/>
+              <a:t>defaulter and fully paid customers have grown from January to December.</a:t>
+            </a:r>
+          </a:p>
+          <a:p>
+            <a:pPr marL="285750" indent="-285750"/>
+            <a:r>
+              <a:rPr lang="en-US" dirty="0"/>
+              <a:t>State such as California, new York , Texas and Florida have state where company are experiencing high number of fully paid as well as defaulters.</a:t>
+            </a:r>
+          </a:p>
+          <a:p>
+            <a:pPr marL="285750" indent="-285750">
+              <a:buFont typeface="Arial" panose="020B0604020202020204" pitchFamily="34" charset="0"/>
+              <a:buChar char="•"/>
+            </a:pPr>
+            <a:r>
+              <a:rPr lang="en-US" dirty="0"/>
+              <a:t>There is not much difference in interest rate among  different level of work experience.</a:t>
+            </a:r>
+          </a:p>
+          <a:p>
+            <a:pPr marL="285750" indent="-285750">
+              <a:buFont typeface="Arial" panose="020B0604020202020204" pitchFamily="34" charset="0"/>
+              <a:buChar char="•"/>
+            </a:pPr>
+            <a:r>
+              <a:rPr lang="en-US" dirty="0"/>
+              <a:t>loan amount has been higher for employment length of 10 years.</a:t>
+            </a:r>
+            <a:endParaRPr lang="en-GB" dirty="0"/>
+          </a:p>
+          <a:p>
+            <a:pPr marL="285750" indent="-285750"/>
+            <a:endParaRPr lang="en-GB" dirty="0"/>
+          </a:p>
+          <a:p>
+            <a:pPr marL="285750" indent="-285750">
+              <a:buFont typeface="Arial" panose="020B0604020202020204" pitchFamily="34" charset="0"/>
+              <a:buChar char="•"/>
+            </a:pPr>
+            <a:endParaRPr lang="en-GB" dirty="0"/>
+          </a:p>
+          <a:p>
+            <a:endParaRPr lang="en-GB" dirty="0"/>
+          </a:p>
+        </p:txBody>
+      </p:sp>
+    </p:spTree>
+    <p:extLst>
+      <p:ext uri="{BB962C8B-B14F-4D97-AF65-F5344CB8AC3E}">
+        <p14:creationId xmlns:p14="http://schemas.microsoft.com/office/powerpoint/2010/main" val="445505638"/>
+      </p:ext>
+    </p:extLst>
+  </p:cSld>
+  <p:clrMapOvr>
+    <a:masterClrMapping/>
+  </p:clrMapOvr>
+</p:sld>
+</file>
+
+<file path=ppt/slides/slide22.xml><?xml version="1.0" encoding="utf-8"?>
+<p:sld xmlns:a="http://schemas.openxmlformats.org/drawingml/2006/main" xmlns:r="http://schemas.openxmlformats.org/officeDocument/2006/relationships" xmlns:p="http://schemas.openxmlformats.org/presentationml/2006/main">
+  <p:cSld>
+    <p:spTree>
+      <p:nvGrpSpPr>
+        <p:cNvPr id="1" name=""/>
+        <p:cNvGrpSpPr/>
+        <p:nvPr/>
+      </p:nvGrpSpPr>
+      <p:grpSpPr>
+        <a:xfrm>
+          <a:off x="0" y="0"/>
+          <a:ext cx="0" cy="0"/>
+          <a:chOff x="0" y="0"/>
+          <a:chExt cx="0" cy="0"/>
+        </a:xfrm>
+      </p:grpSpPr>
+      <p:sp>
+        <p:nvSpPr>
+          <p:cNvPr id="2" name="Title 1">
+            <a:extLst>
+              <a:ext uri="{FF2B5EF4-FFF2-40B4-BE49-F238E27FC236}">
+                <a16:creationId xmlns:a16="http://schemas.microsoft.com/office/drawing/2014/main" id="{7093B4BD-5F6C-4923-8537-6D4CED56B018}"/>
+              </a:ext>
+            </a:extLst>
+          </p:cNvPr>
+          <p:cNvSpPr>
+            <a:spLocks noGrp="1"/>
+          </p:cNvSpPr>
+          <p:nvPr>
+            <p:ph type="title"/>
+          </p:nvPr>
+        </p:nvSpPr>
+        <p:spPr/>
+        <p:txBody>
+          <a:bodyPr/>
+          <a:lstStyle/>
+          <a:p>
+            <a:r>
+              <a:rPr lang="en-GB" dirty="0"/>
+              <a:t>Findings</a:t>
+            </a:r>
+          </a:p>
+        </p:txBody>
+      </p:sp>
+      <p:sp>
+        <p:nvSpPr>
+          <p:cNvPr id="3" name="Content Placeholder 2">
+            <a:extLst>
+              <a:ext uri="{FF2B5EF4-FFF2-40B4-BE49-F238E27FC236}">
+                <a16:creationId xmlns:a16="http://schemas.microsoft.com/office/drawing/2014/main" id="{1666ECDB-CA16-4649-963B-4EB6A22DD83B}"/>
+              </a:ext>
+            </a:extLst>
+          </p:cNvPr>
+          <p:cNvSpPr>
+            <a:spLocks noGrp="1"/>
+          </p:cNvSpPr>
+          <p:nvPr>
+            <p:ph idx="1"/>
+          </p:nvPr>
+        </p:nvSpPr>
+        <p:spPr/>
+        <p:txBody>
+          <a:bodyPr/>
+          <a:lstStyle/>
+          <a:p>
+            <a:pPr marL="285750" indent="-285750">
+              <a:buFont typeface="Arial" panose="020B0604020202020204" pitchFamily="34" charset="0"/>
+              <a:buChar char="•"/>
+            </a:pPr>
+            <a:r>
+              <a:rPr lang="en-US" dirty="0"/>
+              <a:t>no outliers in DTI</a:t>
+            </a:r>
+          </a:p>
+          <a:p>
+            <a:pPr marL="285750" indent="-285750">
+              <a:buFont typeface="Arial" panose="020B0604020202020204" pitchFamily="34" charset="0"/>
+              <a:buChar char="•"/>
+            </a:pPr>
+            <a:r>
+              <a:rPr lang="en-US" dirty="0"/>
+              <a:t>High outliers in Annual income and loan amount.</a:t>
+            </a:r>
+            <a:endParaRPr lang="en-GB" dirty="0"/>
+          </a:p>
+          <a:p>
+            <a:r>
+              <a:rPr lang="en-US" dirty="0"/>
+              <a:t>DTI has normal distribution</a:t>
+            </a:r>
+          </a:p>
+          <a:p>
+            <a:r>
+              <a:rPr lang="en-US" dirty="0"/>
+              <a:t>Installment, Annual income, amount funded by lending club, Loan amount, amount funded by investor and interest rate are positively skewed.</a:t>
+            </a:r>
+          </a:p>
+          <a:p>
+            <a:r>
+              <a:rPr lang="en-GB" dirty="0"/>
+              <a:t>Skewed variables have now normal distribution after log1 transformation as we managed the outliers efficiently without dropping them.</a:t>
+            </a:r>
+          </a:p>
+          <a:p>
+            <a:endParaRPr lang="en-GB" dirty="0"/>
+          </a:p>
+        </p:txBody>
+      </p:sp>
+    </p:spTree>
+    <p:extLst>
+      <p:ext uri="{BB962C8B-B14F-4D97-AF65-F5344CB8AC3E}">
+        <p14:creationId xmlns:p14="http://schemas.microsoft.com/office/powerpoint/2010/main" val="2550186241"/>
+      </p:ext>
+    </p:extLst>
+  </p:cSld>
+  <p:clrMapOvr>
+    <a:masterClrMapping/>
+  </p:clrMapOvr>
+</p:sld>
+</file>
+
+<file path=ppt/slides/slide23.xml><?xml version="1.0" encoding="utf-8"?>
+<p:sld xmlns:a="http://schemas.openxmlformats.org/drawingml/2006/main" xmlns:r="http://schemas.openxmlformats.org/officeDocument/2006/relationships" xmlns:p="http://schemas.openxmlformats.org/presentationml/2006/main">
+  <p:cSld>
+    <p:spTree>
+      <p:nvGrpSpPr>
+        <p:cNvPr id="1" name=""/>
+        <p:cNvGrpSpPr/>
+        <p:nvPr/>
+      </p:nvGrpSpPr>
+      <p:grpSpPr>
+        <a:xfrm>
+          <a:off x="0" y="0"/>
+          <a:ext cx="0" cy="0"/>
+          <a:chOff x="0" y="0"/>
+          <a:chExt cx="0" cy="0"/>
+        </a:xfrm>
+      </p:grpSpPr>
+      <p:sp>
+        <p:nvSpPr>
+          <p:cNvPr id="2" name="Title 1">
+            <a:extLst>
+              <a:ext uri="{FF2B5EF4-FFF2-40B4-BE49-F238E27FC236}">
+                <a16:creationId xmlns:a16="http://schemas.microsoft.com/office/drawing/2014/main" id="{83FD4D6D-F4BC-4176-8BA4-026247BDF0F1}"/>
+              </a:ext>
+            </a:extLst>
+          </p:cNvPr>
+          <p:cNvSpPr>
+            <a:spLocks noGrp="1"/>
+          </p:cNvSpPr>
+          <p:nvPr>
+            <p:ph type="title"/>
+          </p:nvPr>
+        </p:nvSpPr>
+        <p:spPr/>
+        <p:txBody>
+          <a:bodyPr/>
+          <a:lstStyle/>
+          <a:p>
+            <a:r>
+              <a:rPr lang="en-GB" dirty="0"/>
+              <a:t>Findings</a:t>
+            </a:r>
+          </a:p>
+        </p:txBody>
+      </p:sp>
+      <p:sp>
+        <p:nvSpPr>
+          <p:cNvPr id="3" name="Content Placeholder 2">
+            <a:extLst>
+              <a:ext uri="{FF2B5EF4-FFF2-40B4-BE49-F238E27FC236}">
+                <a16:creationId xmlns:a16="http://schemas.microsoft.com/office/drawing/2014/main" id="{8D85B66A-CB90-4CE6-8DC8-1D1610E7F7DD}"/>
+              </a:ext>
+            </a:extLst>
+          </p:cNvPr>
+          <p:cNvSpPr>
+            <a:spLocks noGrp="1"/>
+          </p:cNvSpPr>
+          <p:nvPr>
+            <p:ph idx="1"/>
+          </p:nvPr>
+        </p:nvSpPr>
+        <p:spPr/>
+        <p:txBody>
+          <a:bodyPr/>
+          <a:lstStyle/>
+          <a:p>
+            <a:pPr marL="285750" indent="-285750">
+              <a:buFont typeface="Arial" panose="020B0604020202020204" pitchFamily="34" charset="0"/>
+              <a:buChar char="•"/>
+            </a:pPr>
+            <a:r>
+              <a:rPr lang="en-US" dirty="0"/>
+              <a:t>Strong Correlation between loan amount, amount funded by investor, amount funded by LC and installment.</a:t>
+            </a:r>
+          </a:p>
+          <a:p>
+            <a:pPr marL="285750" indent="-285750">
+              <a:buFont typeface="Arial" panose="020B0604020202020204" pitchFamily="34" charset="0"/>
+              <a:buChar char="•"/>
+            </a:pPr>
+            <a:r>
+              <a:rPr lang="en-US" dirty="0"/>
+              <a:t>They form a segment with very high correlation.</a:t>
+            </a:r>
+          </a:p>
+          <a:p>
+            <a:pPr marL="285750" indent="-285750">
+              <a:buFont typeface="Arial" panose="020B0604020202020204" pitchFamily="34" charset="0"/>
+              <a:buChar char="•"/>
+            </a:pPr>
+            <a:r>
+              <a:rPr lang="en-US" dirty="0"/>
+              <a:t>Interest rate, grade and sub grade shows strong association among each other, and they form a segment with strong association.</a:t>
+            </a:r>
+            <a:endParaRPr lang="en-GB" dirty="0"/>
+          </a:p>
+          <a:p>
+            <a:endParaRPr lang="en-GB" dirty="0"/>
+          </a:p>
+        </p:txBody>
+      </p:sp>
+    </p:spTree>
+    <p:extLst>
+      <p:ext uri="{BB962C8B-B14F-4D97-AF65-F5344CB8AC3E}">
+        <p14:creationId xmlns:p14="http://schemas.microsoft.com/office/powerpoint/2010/main" val="63047899"/>
+      </p:ext>
+    </p:extLst>
+  </p:cSld>
+  <p:clrMapOvr>
+    <a:masterClrMapping/>
+  </p:clrMapOvr>
+</p:sld>
+</file>
+
+<file path=ppt/slides/slide24.xml><?xml version="1.0" encoding="utf-8"?>
+<p:sld xmlns:a="http://schemas.openxmlformats.org/drawingml/2006/main" xmlns:r="http://schemas.openxmlformats.org/officeDocument/2006/relationships" xmlns:p="http://schemas.openxmlformats.org/presentationml/2006/main">
+  <p:cSld>
+    <p:spTree>
+      <p:nvGrpSpPr>
+        <p:cNvPr id="1" name=""/>
+        <p:cNvGrpSpPr/>
+        <p:nvPr/>
+      </p:nvGrpSpPr>
+      <p:grpSpPr>
+        <a:xfrm>
+          <a:off x="0" y="0"/>
+          <a:ext cx="0" cy="0"/>
+          <a:chOff x="0" y="0"/>
+          <a:chExt cx="0" cy="0"/>
+        </a:xfrm>
+      </p:grpSpPr>
+      <p:sp>
+        <p:nvSpPr>
+          <p:cNvPr id="2" name="Title 1">
+            <a:extLst>
+              <a:ext uri="{FF2B5EF4-FFF2-40B4-BE49-F238E27FC236}">
+                <a16:creationId xmlns:a16="http://schemas.microsoft.com/office/drawing/2014/main" id="{5CF48069-4373-49E0-BF51-1B5D63A08B3F}"/>
+              </a:ext>
+            </a:extLst>
+          </p:cNvPr>
+          <p:cNvSpPr>
+            <a:spLocks noGrp="1"/>
+          </p:cNvSpPr>
+          <p:nvPr>
+            <p:ph type="title"/>
+          </p:nvPr>
+        </p:nvSpPr>
+        <p:spPr/>
+        <p:txBody>
+          <a:bodyPr/>
+          <a:lstStyle/>
+          <a:p>
+            <a:r>
+              <a:rPr lang="en-GB" dirty="0" err="1"/>
+              <a:t>Recommnedation</a:t>
+            </a:r>
+            <a:endParaRPr lang="en-GB" dirty="0"/>
+          </a:p>
+        </p:txBody>
+      </p:sp>
+    </p:spTree>
+    <p:extLst>
+      <p:ext uri="{BB962C8B-B14F-4D97-AF65-F5344CB8AC3E}">
+        <p14:creationId xmlns:p14="http://schemas.microsoft.com/office/powerpoint/2010/main" val="265734292"/>
+      </p:ext>
+    </p:extLst>
+  </p:cSld>
+  <p:clrMapOvr>
+    <a:masterClrMapping/>
+  </p:clrMapOvr>
+</p:sld>
+</file>
+
+<file path=ppt/slides/slide25.xml><?xml version="1.0" encoding="utf-8"?>
 <p:sld xmlns:a="http://schemas.openxmlformats.org/drawingml/2006/main" xmlns:r="http://schemas.openxmlformats.org/officeDocument/2006/relationships" xmlns:p="http://schemas.openxmlformats.org/presentationml/2006/main">
   <p:cSld>
     <p:spTree>
@@ -13321,13 +13952,22 @@
           <a:p>
             <a:r>
               <a:rPr lang="en-US" dirty="0"/>
-              <a:t>verification status plot shows that company has been accepting non verified customers compared to verified and source verified.</a:t>
-            </a:r>
-          </a:p>
-          <a:p>
+              <a:t>Verification status plot shows that company has been accepting non verified </a:t>
+            </a:r>
+          </a:p>
+          <a:p>
+            <a:pPr marL="0" indent="0">
+              <a:buNone/>
+            </a:pPr>
             <a:r>
               <a:rPr lang="en-US" dirty="0"/>
-              <a:t>Purpose plot shows that majority of the loan are borrowed for debt consolidation.</a:t>
+              <a:t>    customers compared to verified and source verified.</a:t>
+            </a:r>
+          </a:p>
+          <a:p>
+            <a:r>
+              <a:rPr lang="en-US" dirty="0"/>
+              <a:t>Purpose plot shows that majority of the loans are borrowed for debt consolidation.</a:t>
             </a:r>
           </a:p>
           <a:p>
@@ -13339,47 +13979,19 @@
           <a:p>
             <a:r>
               <a:rPr lang="en-US" dirty="0"/>
-              <a:t>sub grades' A4, A5,B3,B5,C2 are distributed </a:t>
-            </a:r>
-            <a:r>
-              <a:rPr lang="en-US" dirty="0" err="1"/>
-              <a:t>proportionatley</a:t>
-            </a:r>
+              <a:t>Sub grades' A4, A5,B3,B5,C2 are distributed proportionately higher than other sub grades.</a:t>
+            </a:r>
+          </a:p>
+          <a:p>
             <a:r>
               <a:rPr lang="en-US" dirty="0"/>
-              <a:t> higher than other sub grades.</a:t>
+              <a:t>Demand of 36 months loan has been almost 3 times the demand of 60 months loan.</a:t>
             </a:r>
           </a:p>
           <a:p>
             <a:r>
               <a:rPr lang="en-US" dirty="0"/>
-              <a:t>Demand of 36 months loan has been almost 3 times the demand of 60 month loan.</a:t>
-            </a:r>
-          </a:p>
-          <a:p>
-            <a:r>
-              <a:rPr lang="en-US" dirty="0" err="1"/>
-              <a:t>Compnay</a:t>
-            </a:r>
-            <a:r>
-              <a:rPr lang="en-US" dirty="0"/>
-              <a:t> has been funding more loan to 10+ years of employment </a:t>
-            </a:r>
-            <a:r>
-              <a:rPr lang="en-US" dirty="0" err="1"/>
-              <a:t>lenght</a:t>
-            </a:r>
-            <a:r>
-              <a:rPr lang="en-US" dirty="0"/>
-              <a:t> than other years. Company has relatively lesser customer with employment </a:t>
-            </a:r>
-            <a:r>
-              <a:rPr lang="en-US" dirty="0" err="1"/>
-              <a:t>lenght</a:t>
-            </a:r>
-            <a:r>
-              <a:rPr lang="en-US" dirty="0"/>
-              <a:t> of 8 </a:t>
+              <a:t>Company has been funding more loan to 10+ years of employment length than other years. Company has relatively lesser customer with employment length of 8 </a:t>
             </a:r>
             <a:endParaRPr lang="en-GB" dirty="0"/>
           </a:p>
@@ -13570,29 +14182,13 @@
           <a:p>
             <a:r>
               <a:rPr lang="en-US" dirty="0"/>
-              <a:t>proportion of fully </a:t>
-            </a:r>
-            <a:r>
-              <a:rPr lang="en-US" dirty="0" err="1"/>
-              <a:t>paid:defaulters</a:t>
-            </a:r>
+              <a:t>Proportion of fully paid to defaulters are much better in 36 month term than 60 months.</a:t>
+            </a:r>
+          </a:p>
+          <a:p>
             <a:r>
               <a:rPr lang="en-US" dirty="0"/>
-              <a:t> are much better in 36 month term than 60 months.</a:t>
-            </a:r>
-          </a:p>
-          <a:p>
-            <a:r>
-              <a:rPr lang="en-US" dirty="0"/>
-              <a:t>proportion of fully </a:t>
-            </a:r>
-            <a:r>
-              <a:rPr lang="en-US" dirty="0" err="1"/>
-              <a:t>paid:defaulters</a:t>
-            </a:r>
-            <a:r>
-              <a:rPr lang="en-US" dirty="0"/>
-              <a:t> are much better in grade A,B and C than grade E,F,G.</a:t>
+              <a:t>Proportion of fully paid to defaulters are much better in grade A,B and C than grade E,F,G.</a:t>
             </a:r>
           </a:p>
           <a:p>
@@ -13604,7 +14200,7 @@
           <a:p>
             <a:r>
               <a:rPr lang="en-US" dirty="0"/>
-              <a:t>Subgrade A4,A5,b3,B4,B5 are best performers whereas G5,G3,F5 are worst performers.</a:t>
+              <a:t>Subgrades’ A4,A5,b3,B4,B5 are best performers whereas G5,G3,F5 are worst performers.</a:t>
             </a:r>
           </a:p>
           <a:p>
@@ -13801,19 +14397,19 @@
           <a:p>
             <a:r>
               <a:rPr lang="en-US" dirty="0"/>
-              <a:t>proportion of fully paid to defaulters are considerably similar at all level of employment length.</a:t>
+              <a:t>Proportion of fully paid to defaulters are considerably similar at all level of employment length.</a:t>
             </a:r>
           </a:p>
           <a:p>
             <a:r>
               <a:rPr lang="en-US" dirty="0"/>
-              <a:t>proportion of fully paid to defaulters are much better in verification status of non verified better than verified and source verified.</a:t>
+              <a:t>Proportion of fully paid to defaulters are much better in verification status of non verified better than verified and source verified.</a:t>
             </a:r>
           </a:p>
           <a:p>
             <a:r>
               <a:rPr lang="en-US" dirty="0"/>
-              <a:t>default risk is considerably negligible where the purpose have been Moving, Vacation, and educational.</a:t>
+              <a:t>Default risk is considerably negligible where the purpose have been Moving, Vacation, and educational.</a:t>
             </a:r>
             <a:endParaRPr lang="en-GB" dirty="0"/>
           </a:p>
